--- a/images/jth.pptx
+++ b/images/jth.pptx
@@ -244,7 +244,7 @@
           <a:p>
             <a:fld id="{BDCE7243-333D-D541-870B-6659663FF220}" type="datetimeFigureOut">
               <a:rPr lang="en-US" smtClean="0"/>
-              <a:t>8/4/24</a:t>
+              <a:t>8/5/24</a:t>
             </a:fld>
             <a:endParaRPr lang="en-US"/>
           </a:p>
@@ -414,7 +414,7 @@
           <a:p>
             <a:fld id="{BDCE7243-333D-D541-870B-6659663FF220}" type="datetimeFigureOut">
               <a:rPr lang="en-US" smtClean="0"/>
-              <a:t>8/4/24</a:t>
+              <a:t>8/5/24</a:t>
             </a:fld>
             <a:endParaRPr lang="en-US"/>
           </a:p>
@@ -594,7 +594,7 @@
           <a:p>
             <a:fld id="{BDCE7243-333D-D541-870B-6659663FF220}" type="datetimeFigureOut">
               <a:rPr lang="en-US" smtClean="0"/>
-              <a:t>8/4/24</a:t>
+              <a:t>8/5/24</a:t>
             </a:fld>
             <a:endParaRPr lang="en-US"/>
           </a:p>
@@ -764,7 +764,7 @@
           <a:p>
             <a:fld id="{BDCE7243-333D-D541-870B-6659663FF220}" type="datetimeFigureOut">
               <a:rPr lang="en-US" smtClean="0"/>
-              <a:t>8/4/24</a:t>
+              <a:t>8/5/24</a:t>
             </a:fld>
             <a:endParaRPr lang="en-US"/>
           </a:p>
@@ -1010,7 +1010,7 @@
           <a:p>
             <a:fld id="{BDCE7243-333D-D541-870B-6659663FF220}" type="datetimeFigureOut">
               <a:rPr lang="en-US" smtClean="0"/>
-              <a:t>8/4/24</a:t>
+              <a:t>8/5/24</a:t>
             </a:fld>
             <a:endParaRPr lang="en-US"/>
           </a:p>
@@ -1242,7 +1242,7 @@
           <a:p>
             <a:fld id="{BDCE7243-333D-D541-870B-6659663FF220}" type="datetimeFigureOut">
               <a:rPr lang="en-US" smtClean="0"/>
-              <a:t>8/4/24</a:t>
+              <a:t>8/5/24</a:t>
             </a:fld>
             <a:endParaRPr lang="en-US"/>
           </a:p>
@@ -1609,7 +1609,7 @@
           <a:p>
             <a:fld id="{BDCE7243-333D-D541-870B-6659663FF220}" type="datetimeFigureOut">
               <a:rPr lang="en-US" smtClean="0"/>
-              <a:t>8/4/24</a:t>
+              <a:t>8/5/24</a:t>
             </a:fld>
             <a:endParaRPr lang="en-US"/>
           </a:p>
@@ -1727,7 +1727,7 @@
           <a:p>
             <a:fld id="{BDCE7243-333D-D541-870B-6659663FF220}" type="datetimeFigureOut">
               <a:rPr lang="en-US" smtClean="0"/>
-              <a:t>8/4/24</a:t>
+              <a:t>8/5/24</a:t>
             </a:fld>
             <a:endParaRPr lang="en-US"/>
           </a:p>
@@ -1822,7 +1822,7 @@
           <a:p>
             <a:fld id="{BDCE7243-333D-D541-870B-6659663FF220}" type="datetimeFigureOut">
               <a:rPr lang="en-US" smtClean="0"/>
-              <a:t>8/4/24</a:t>
+              <a:t>8/5/24</a:t>
             </a:fld>
             <a:endParaRPr lang="en-US"/>
           </a:p>
@@ -2099,7 +2099,7 @@
           <a:p>
             <a:fld id="{BDCE7243-333D-D541-870B-6659663FF220}" type="datetimeFigureOut">
               <a:rPr lang="en-US" smtClean="0"/>
-              <a:t>8/4/24</a:t>
+              <a:t>8/5/24</a:t>
             </a:fld>
             <a:endParaRPr lang="en-US"/>
           </a:p>
@@ -2356,7 +2356,7 @@
           <a:p>
             <a:fld id="{BDCE7243-333D-D541-870B-6659663FF220}" type="datetimeFigureOut">
               <a:rPr lang="en-US" smtClean="0"/>
-              <a:t>8/4/24</a:t>
+              <a:t>8/5/24</a:t>
             </a:fld>
             <a:endParaRPr lang="en-US"/>
           </a:p>
@@ -2569,7 +2569,7 @@
           <a:p>
             <a:fld id="{BDCE7243-333D-D541-870B-6659663FF220}" type="datetimeFigureOut">
               <a:rPr lang="en-US" smtClean="0"/>
-              <a:t>8/4/24</a:t>
+              <a:t>8/5/24</a:t>
             </a:fld>
             <a:endParaRPr lang="en-US"/>
           </a:p>
@@ -3840,8 +3840,8 @@
         </p:nvSpPr>
         <p:spPr>
           <a:xfrm>
-            <a:off x="1557572" y="914400"/>
-            <a:ext cx="2952447" cy="382832"/>
+            <a:off x="1450972" y="914400"/>
+            <a:ext cx="3165647" cy="382832"/>
           </a:xfrm>
           <a:prstGeom prst="rect">
             <a:avLst/>
@@ -3879,7 +3879,7 @@
                 <a:ea typeface="CMU Serif Roman" panose="02000603000000000000" pitchFamily="2" charset="0"/>
                 <a:cs typeface="CMU Serif Roman" panose="02000603000000000000" pitchFamily="2" charset="0"/>
               </a:rPr>
-              <a:t>in vivo image data of clot</a:t>
+              <a:t>in vivo image data of a clot</a:t>
             </a:r>
           </a:p>
         </p:txBody>
@@ -4054,8 +4054,8 @@
         </p:nvSpPr>
         <p:spPr>
           <a:xfrm>
-            <a:off x="1474549" y="2796812"/>
-            <a:ext cx="4475298" cy="352055"/>
+            <a:off x="1462565" y="2823490"/>
+            <a:ext cx="3979971" cy="321277"/>
           </a:xfrm>
           <a:prstGeom prst="rect">
             <a:avLst/>
@@ -4088,7 +4088,7 @@
           <a:p>
             <a:pPr algn="ctr" defTabSz="427329" hangingPunct="0"/>
             <a:r>
-              <a:rPr lang="en-US" dirty="0">
+              <a:rPr lang="en-US" sz="1600" dirty="0">
                 <a:latin typeface="CMU Serif Roman" panose="02000603000000000000" pitchFamily="2" charset="0"/>
                 <a:ea typeface="CMU Serif Roman" panose="02000603000000000000" pitchFamily="2" charset="0"/>
                 <a:cs typeface="CMU Serif Roman" panose="02000603000000000000" pitchFamily="2" charset="0"/>
